--- a/Customer Segmentation on E-commerce data/DSC680_Kausik_Chattapadhyay_Customer_Segmentation_final.pptx
+++ b/Customer Segmentation on E-commerce data/DSC680_Kausik_Chattapadhyay_Customer_Segmentation_final.pptx
@@ -287,7 +287,7 @@
           <a:p>
             <a:fld id="{9D0D92BC-42A9-434B-8530-ADBF4485E407}" type="datetimeFigureOut">
               <a:rPr lang="en-US" smtClean="0"/>
-              <a:t>5/3/2024</a:t>
+              <a:t>5/3/24</a:t>
             </a:fld>
             <a:endParaRPr lang="en-US"/>
           </a:p>
@@ -538,7 +538,7 @@
           <a:p>
             <a:fld id="{9D0D92BC-42A9-434B-8530-ADBF4485E407}" type="datetimeFigureOut">
               <a:rPr lang="en-US" smtClean="0"/>
-              <a:t>5/3/2024</a:t>
+              <a:t>5/3/24</a:t>
             </a:fld>
             <a:endParaRPr lang="en-US"/>
           </a:p>
@@ -746,7 +746,7 @@
           <a:p>
             <a:fld id="{9D0D92BC-42A9-434B-8530-ADBF4485E407}" type="datetimeFigureOut">
               <a:rPr lang="en-US" smtClean="0"/>
-              <a:t>5/3/2024</a:t>
+              <a:t>5/3/24</a:t>
             </a:fld>
             <a:endParaRPr lang="en-US"/>
           </a:p>
@@ -944,7 +944,7 @@
           <a:p>
             <a:fld id="{9D0D92BC-42A9-434B-8530-ADBF4485E407}" type="datetimeFigureOut">
               <a:rPr lang="en-US" smtClean="0"/>
-              <a:t>5/3/2024</a:t>
+              <a:t>5/3/24</a:t>
             </a:fld>
             <a:endParaRPr lang="en-US"/>
           </a:p>
@@ -1224,7 +1224,7 @@
           <a:p>
             <a:fld id="{9D0D92BC-42A9-434B-8530-ADBF4485E407}" type="datetimeFigureOut">
               <a:rPr lang="en-US" smtClean="0"/>
-              <a:t>5/3/2024</a:t>
+              <a:t>5/3/24</a:t>
             </a:fld>
             <a:endParaRPr lang="en-US"/>
           </a:p>
@@ -1532,7 +1532,7 @@
           <a:p>
             <a:fld id="{9D0D92BC-42A9-434B-8530-ADBF4485E407}" type="datetimeFigureOut">
               <a:rPr lang="en-US" smtClean="0"/>
-              <a:t>5/3/2024</a:t>
+              <a:t>5/3/24</a:t>
             </a:fld>
             <a:endParaRPr lang="en-US"/>
           </a:p>
@@ -1952,7 +1952,7 @@
           <a:p>
             <a:fld id="{9D0D92BC-42A9-434B-8530-ADBF4485E407}" type="datetimeFigureOut">
               <a:rPr lang="en-US" smtClean="0"/>
-              <a:t>5/3/2024</a:t>
+              <a:t>5/3/24</a:t>
             </a:fld>
             <a:endParaRPr lang="en-US"/>
           </a:p>
@@ -2184,7 +2184,7 @@
           <a:p>
             <a:fld id="{9D0D92BC-42A9-434B-8530-ADBF4485E407}" type="datetimeFigureOut">
               <a:rPr lang="en-US" smtClean="0"/>
-              <a:t>5/3/2024</a:t>
+              <a:t>5/3/24</a:t>
             </a:fld>
             <a:endParaRPr lang="en-US"/>
           </a:p>
@@ -2297,7 +2297,7 @@
           <a:p>
             <a:fld id="{9D0D92BC-42A9-434B-8530-ADBF4485E407}" type="datetimeFigureOut">
               <a:rPr lang="en-US" smtClean="0"/>
-              <a:t>5/3/2024</a:t>
+              <a:t>5/3/24</a:t>
             </a:fld>
             <a:endParaRPr lang="en-US"/>
           </a:p>
@@ -2614,7 +2614,7 @@
           <a:p>
             <a:fld id="{9D0D92BC-42A9-434B-8530-ADBF4485E407}" type="datetimeFigureOut">
               <a:rPr lang="en-US" smtClean="0"/>
-              <a:t>5/3/2024</a:t>
+              <a:t>5/3/24</a:t>
             </a:fld>
             <a:endParaRPr lang="en-US"/>
           </a:p>
@@ -2906,7 +2906,7 @@
           <a:p>
             <a:fld id="{9D0D92BC-42A9-434B-8530-ADBF4485E407}" type="datetimeFigureOut">
               <a:rPr lang="en-US" smtClean="0"/>
-              <a:t>5/3/2024</a:t>
+              <a:t>5/3/24</a:t>
             </a:fld>
             <a:endParaRPr lang="en-US"/>
           </a:p>
@@ -3213,7 +3213,7 @@
             <a:fld id="{9D0D92BC-42A9-434B-8530-ADBF4485E407}" type="datetimeFigureOut">
               <a:rPr lang="en-US" smtClean="0"/>
               <a:pPr/>
-              <a:t>5/3/2024</a:t>
+              <a:t>5/3/24</a:t>
             </a:fld>
             <a:endParaRPr lang="en-US"/>
           </a:p>
@@ -7446,8 +7446,8 @@
         </p:nvSpPr>
         <p:spPr>
           <a:xfrm>
-            <a:off x="952500" y="812042"/>
-            <a:ext cx="4264686" cy="1092958"/>
+            <a:off x="537972" y="812042"/>
+            <a:ext cx="4679214" cy="1092958"/>
           </a:xfrm>
         </p:spPr>
         <p:txBody>
@@ -7457,7 +7457,7 @@
           <a:lstStyle/>
           <a:p>
             <a:r>
-              <a:rPr lang="en-US" sz="2400"/>
+              <a:rPr lang="en-US" sz="2400" dirty="0"/>
               <a:t>Background/History</a:t>
             </a:r>
           </a:p>
